--- a/board_numbering.pptx
+++ b/board_numbering.pptx
@@ -261,7 +261,7 @@
           <a:p>
             <a:fld id="{5542A411-33F3-4073-AC3E-D9D6B38D2506}" type="datetimeFigureOut">
               <a:rPr lang="de-DE" smtClean="0"/>
-              <a:t>13.07.2022</a:t>
+              <a:t>15.07.2022</a:t>
             </a:fld>
             <a:endParaRPr lang="de-DE"/>
           </a:p>
@@ -459,7 +459,7 @@
           <a:p>
             <a:fld id="{5542A411-33F3-4073-AC3E-D9D6B38D2506}" type="datetimeFigureOut">
               <a:rPr lang="de-DE" smtClean="0"/>
-              <a:t>13.07.2022</a:t>
+              <a:t>15.07.2022</a:t>
             </a:fld>
             <a:endParaRPr lang="de-DE"/>
           </a:p>
@@ -667,7 +667,7 @@
           <a:p>
             <a:fld id="{5542A411-33F3-4073-AC3E-D9D6B38D2506}" type="datetimeFigureOut">
               <a:rPr lang="de-DE" smtClean="0"/>
-              <a:t>13.07.2022</a:t>
+              <a:t>15.07.2022</a:t>
             </a:fld>
             <a:endParaRPr lang="de-DE"/>
           </a:p>
@@ -865,7 +865,7 @@
           <a:p>
             <a:fld id="{5542A411-33F3-4073-AC3E-D9D6B38D2506}" type="datetimeFigureOut">
               <a:rPr lang="de-DE" smtClean="0"/>
-              <a:t>13.07.2022</a:t>
+              <a:t>15.07.2022</a:t>
             </a:fld>
             <a:endParaRPr lang="de-DE"/>
           </a:p>
@@ -1140,7 +1140,7 @@
           <a:p>
             <a:fld id="{5542A411-33F3-4073-AC3E-D9D6B38D2506}" type="datetimeFigureOut">
               <a:rPr lang="de-DE" smtClean="0"/>
-              <a:t>13.07.2022</a:t>
+              <a:t>15.07.2022</a:t>
             </a:fld>
             <a:endParaRPr lang="de-DE"/>
           </a:p>
@@ -1405,7 +1405,7 @@
           <a:p>
             <a:fld id="{5542A411-33F3-4073-AC3E-D9D6B38D2506}" type="datetimeFigureOut">
               <a:rPr lang="de-DE" smtClean="0"/>
-              <a:t>13.07.2022</a:t>
+              <a:t>15.07.2022</a:t>
             </a:fld>
             <a:endParaRPr lang="de-DE"/>
           </a:p>
@@ -1817,7 +1817,7 @@
           <a:p>
             <a:fld id="{5542A411-33F3-4073-AC3E-D9D6B38D2506}" type="datetimeFigureOut">
               <a:rPr lang="de-DE" smtClean="0"/>
-              <a:t>13.07.2022</a:t>
+              <a:t>15.07.2022</a:t>
             </a:fld>
             <a:endParaRPr lang="de-DE"/>
           </a:p>
@@ -1958,7 +1958,7 @@
           <a:p>
             <a:fld id="{5542A411-33F3-4073-AC3E-D9D6B38D2506}" type="datetimeFigureOut">
               <a:rPr lang="de-DE" smtClean="0"/>
-              <a:t>13.07.2022</a:t>
+              <a:t>15.07.2022</a:t>
             </a:fld>
             <a:endParaRPr lang="de-DE"/>
           </a:p>
@@ -2071,7 +2071,7 @@
           <a:p>
             <a:fld id="{5542A411-33F3-4073-AC3E-D9D6B38D2506}" type="datetimeFigureOut">
               <a:rPr lang="de-DE" smtClean="0"/>
-              <a:t>13.07.2022</a:t>
+              <a:t>15.07.2022</a:t>
             </a:fld>
             <a:endParaRPr lang="de-DE"/>
           </a:p>
@@ -2382,7 +2382,7 @@
           <a:p>
             <a:fld id="{5542A411-33F3-4073-AC3E-D9D6B38D2506}" type="datetimeFigureOut">
               <a:rPr lang="de-DE" smtClean="0"/>
-              <a:t>13.07.2022</a:t>
+              <a:t>15.07.2022</a:t>
             </a:fld>
             <a:endParaRPr lang="de-DE"/>
           </a:p>
@@ -2670,7 +2670,7 @@
           <a:p>
             <a:fld id="{5542A411-33F3-4073-AC3E-D9D6B38D2506}" type="datetimeFigureOut">
               <a:rPr lang="de-DE" smtClean="0"/>
-              <a:t>13.07.2022</a:t>
+              <a:t>15.07.2022</a:t>
             </a:fld>
             <a:endParaRPr lang="de-DE"/>
           </a:p>
@@ -2911,7 +2911,7 @@
           <a:p>
             <a:fld id="{5542A411-33F3-4073-AC3E-D9D6B38D2506}" type="datetimeFigureOut">
               <a:rPr lang="de-DE" smtClean="0"/>
-              <a:t>13.07.2022</a:t>
+              <a:t>15.07.2022</a:t>
             </a:fld>
             <a:endParaRPr lang="de-DE"/>
           </a:p>
@@ -9082,6 +9082,414 @@
       </p:grpSpPr>
       <p:sp>
         <p:nvSpPr>
+          <p:cNvPr id="286" name="Rechteck 285">
+            <a:extLst>
+              <a:ext uri="{FF2B5EF4-FFF2-40B4-BE49-F238E27FC236}">
+                <a16:creationId xmlns:a16="http://schemas.microsoft.com/office/drawing/2014/main" id="{4D123C18-0ABE-50DB-F4B9-52B1475D2375}"/>
+              </a:ext>
+            </a:extLst>
+          </p:cNvPr>
+          <p:cNvSpPr/>
+          <p:nvPr/>
+        </p:nvSpPr>
+        <p:spPr>
+          <a:xfrm flipH="1">
+            <a:off x="5734539" y="1681312"/>
+            <a:ext cx="372547" cy="446608"/>
+          </a:xfrm>
+          <a:prstGeom prst="rect">
+            <a:avLst/>
+          </a:prstGeom>
+          <a:solidFill>
+            <a:srgbClr val="92D050">
+              <a:alpha val="66000"/>
+            </a:srgbClr>
+          </a:solidFill>
+        </p:spPr>
+        <p:style>
+          <a:lnRef idx="2">
+            <a:schemeClr val="accent1">
+              <a:shade val="50000"/>
+            </a:schemeClr>
+          </a:lnRef>
+          <a:fillRef idx="1">
+            <a:schemeClr val="accent1"/>
+          </a:fillRef>
+          <a:effectRef idx="0">
+            <a:schemeClr val="accent1"/>
+          </a:effectRef>
+          <a:fontRef idx="minor">
+            <a:schemeClr val="lt1"/>
+          </a:fontRef>
+        </p:style>
+        <p:txBody>
+          <a:bodyPr rtlCol="0" anchor="ctr"/>
+          <a:lstStyle/>
+          <a:p>
+            <a:pPr algn="ctr"/>
+            <a:endParaRPr lang="de-DE"/>
+          </a:p>
+        </p:txBody>
+      </p:sp>
+      <p:sp>
+        <p:nvSpPr>
+          <p:cNvPr id="288" name="Rechteck 287">
+            <a:extLst>
+              <a:ext uri="{FF2B5EF4-FFF2-40B4-BE49-F238E27FC236}">
+                <a16:creationId xmlns:a16="http://schemas.microsoft.com/office/drawing/2014/main" id="{A69DAE60-5ABD-C7DE-4EF5-E0ACA18FB90D}"/>
+              </a:ext>
+            </a:extLst>
+          </p:cNvPr>
+          <p:cNvSpPr/>
+          <p:nvPr/>
+        </p:nvSpPr>
+        <p:spPr>
+          <a:xfrm flipH="1">
+            <a:off x="6150934" y="2134214"/>
+            <a:ext cx="372547" cy="446608"/>
+          </a:xfrm>
+          <a:prstGeom prst="rect">
+            <a:avLst/>
+          </a:prstGeom>
+          <a:solidFill>
+            <a:srgbClr val="92D050">
+              <a:alpha val="66000"/>
+            </a:srgbClr>
+          </a:solidFill>
+        </p:spPr>
+        <p:style>
+          <a:lnRef idx="2">
+            <a:schemeClr val="accent1">
+              <a:shade val="50000"/>
+            </a:schemeClr>
+          </a:lnRef>
+          <a:fillRef idx="1">
+            <a:schemeClr val="accent1"/>
+          </a:fillRef>
+          <a:effectRef idx="0">
+            <a:schemeClr val="accent1"/>
+          </a:effectRef>
+          <a:fontRef idx="minor">
+            <a:schemeClr val="lt1"/>
+          </a:fontRef>
+        </p:style>
+        <p:txBody>
+          <a:bodyPr rtlCol="0" anchor="ctr"/>
+          <a:lstStyle/>
+          <a:p>
+            <a:pPr algn="ctr"/>
+            <a:endParaRPr lang="de-DE"/>
+          </a:p>
+        </p:txBody>
+      </p:sp>
+      <p:sp>
+        <p:nvSpPr>
+          <p:cNvPr id="289" name="Rechteck 288">
+            <a:extLst>
+              <a:ext uri="{FF2B5EF4-FFF2-40B4-BE49-F238E27FC236}">
+                <a16:creationId xmlns:a16="http://schemas.microsoft.com/office/drawing/2014/main" id="{5C8AF66E-D3FB-C709-2659-8A0A6536EEA3}"/>
+              </a:ext>
+            </a:extLst>
+          </p:cNvPr>
+          <p:cNvSpPr/>
+          <p:nvPr/>
+        </p:nvSpPr>
+        <p:spPr>
+          <a:xfrm flipH="1">
+            <a:off x="6150933" y="2989653"/>
+            <a:ext cx="372547" cy="413959"/>
+          </a:xfrm>
+          <a:prstGeom prst="rect">
+            <a:avLst/>
+          </a:prstGeom>
+          <a:solidFill>
+            <a:srgbClr val="92D050">
+              <a:alpha val="66000"/>
+            </a:srgbClr>
+          </a:solidFill>
+        </p:spPr>
+        <p:style>
+          <a:lnRef idx="2">
+            <a:schemeClr val="accent1">
+              <a:shade val="50000"/>
+            </a:schemeClr>
+          </a:lnRef>
+          <a:fillRef idx="1">
+            <a:schemeClr val="accent1"/>
+          </a:fillRef>
+          <a:effectRef idx="0">
+            <a:schemeClr val="accent1"/>
+          </a:effectRef>
+          <a:fontRef idx="minor">
+            <a:schemeClr val="lt1"/>
+          </a:fontRef>
+        </p:style>
+        <p:txBody>
+          <a:bodyPr rtlCol="0" anchor="ctr"/>
+          <a:lstStyle/>
+          <a:p>
+            <a:pPr algn="ctr"/>
+            <a:endParaRPr lang="de-DE"/>
+          </a:p>
+        </p:txBody>
+      </p:sp>
+      <p:sp>
+        <p:nvSpPr>
+          <p:cNvPr id="290" name="Rechteck 289">
+            <a:extLst>
+              <a:ext uri="{FF2B5EF4-FFF2-40B4-BE49-F238E27FC236}">
+                <a16:creationId xmlns:a16="http://schemas.microsoft.com/office/drawing/2014/main" id="{B7C7E8AC-1539-5683-82BF-8E71EB9F3A9B}"/>
+              </a:ext>
+            </a:extLst>
+          </p:cNvPr>
+          <p:cNvSpPr/>
+          <p:nvPr/>
+        </p:nvSpPr>
+        <p:spPr>
+          <a:xfrm flipH="1">
+            <a:off x="5743674" y="3439033"/>
+            <a:ext cx="372547" cy="413959"/>
+          </a:xfrm>
+          <a:prstGeom prst="rect">
+            <a:avLst/>
+          </a:prstGeom>
+          <a:solidFill>
+            <a:srgbClr val="92D050">
+              <a:alpha val="66000"/>
+            </a:srgbClr>
+          </a:solidFill>
+        </p:spPr>
+        <p:style>
+          <a:lnRef idx="2">
+            <a:schemeClr val="accent1">
+              <a:shade val="50000"/>
+            </a:schemeClr>
+          </a:lnRef>
+          <a:fillRef idx="1">
+            <a:schemeClr val="accent1"/>
+          </a:fillRef>
+          <a:effectRef idx="0">
+            <a:schemeClr val="accent1"/>
+          </a:effectRef>
+          <a:fontRef idx="minor">
+            <a:schemeClr val="lt1"/>
+          </a:fontRef>
+        </p:style>
+        <p:txBody>
+          <a:bodyPr rtlCol="0" anchor="ctr"/>
+          <a:lstStyle/>
+          <a:p>
+            <a:pPr algn="ctr"/>
+            <a:endParaRPr lang="de-DE"/>
+          </a:p>
+        </p:txBody>
+      </p:sp>
+      <p:sp>
+        <p:nvSpPr>
+          <p:cNvPr id="291" name="Rechteck 290">
+            <a:extLst>
+              <a:ext uri="{FF2B5EF4-FFF2-40B4-BE49-F238E27FC236}">
+                <a16:creationId xmlns:a16="http://schemas.microsoft.com/office/drawing/2014/main" id="{C0F7A410-BA1B-5B10-F509-B2851851DF0D}"/>
+              </a:ext>
+            </a:extLst>
+          </p:cNvPr>
+          <p:cNvSpPr/>
+          <p:nvPr/>
+        </p:nvSpPr>
+        <p:spPr>
+          <a:xfrm flipH="1">
+            <a:off x="4836151" y="3454722"/>
+            <a:ext cx="372547" cy="413959"/>
+          </a:xfrm>
+          <a:prstGeom prst="rect">
+            <a:avLst/>
+          </a:prstGeom>
+          <a:solidFill>
+            <a:srgbClr val="92D050">
+              <a:alpha val="66000"/>
+            </a:srgbClr>
+          </a:solidFill>
+        </p:spPr>
+        <p:style>
+          <a:lnRef idx="2">
+            <a:schemeClr val="accent1">
+              <a:shade val="50000"/>
+            </a:schemeClr>
+          </a:lnRef>
+          <a:fillRef idx="1">
+            <a:schemeClr val="accent1"/>
+          </a:fillRef>
+          <a:effectRef idx="0">
+            <a:schemeClr val="accent1"/>
+          </a:effectRef>
+          <a:fontRef idx="minor">
+            <a:schemeClr val="lt1"/>
+          </a:fontRef>
+        </p:style>
+        <p:txBody>
+          <a:bodyPr rtlCol="0" anchor="ctr"/>
+          <a:lstStyle/>
+          <a:p>
+            <a:pPr algn="ctr"/>
+            <a:endParaRPr lang="de-DE"/>
+          </a:p>
+        </p:txBody>
+      </p:sp>
+      <p:sp>
+        <p:nvSpPr>
+          <p:cNvPr id="292" name="Rechteck 291">
+            <a:extLst>
+              <a:ext uri="{FF2B5EF4-FFF2-40B4-BE49-F238E27FC236}">
+                <a16:creationId xmlns:a16="http://schemas.microsoft.com/office/drawing/2014/main" id="{5F445330-E09A-5C14-6713-308272068522}"/>
+              </a:ext>
+            </a:extLst>
+          </p:cNvPr>
+          <p:cNvSpPr/>
+          <p:nvPr/>
+        </p:nvSpPr>
+        <p:spPr>
+          <a:xfrm flipH="1">
+            <a:off x="4400504" y="3010379"/>
+            <a:ext cx="372547" cy="413959"/>
+          </a:xfrm>
+          <a:prstGeom prst="rect">
+            <a:avLst/>
+          </a:prstGeom>
+          <a:solidFill>
+            <a:srgbClr val="92D050">
+              <a:alpha val="66000"/>
+            </a:srgbClr>
+          </a:solidFill>
+        </p:spPr>
+        <p:style>
+          <a:lnRef idx="2">
+            <a:schemeClr val="accent1">
+              <a:shade val="50000"/>
+            </a:schemeClr>
+          </a:lnRef>
+          <a:fillRef idx="1">
+            <a:schemeClr val="accent1"/>
+          </a:fillRef>
+          <a:effectRef idx="0">
+            <a:schemeClr val="accent1"/>
+          </a:effectRef>
+          <a:fontRef idx="minor">
+            <a:schemeClr val="lt1"/>
+          </a:fontRef>
+        </p:style>
+        <p:txBody>
+          <a:bodyPr rtlCol="0" anchor="ctr"/>
+          <a:lstStyle/>
+          <a:p>
+            <a:pPr algn="ctr"/>
+            <a:endParaRPr lang="de-DE"/>
+          </a:p>
+        </p:txBody>
+      </p:sp>
+      <p:sp>
+        <p:nvSpPr>
+          <p:cNvPr id="293" name="Rechteck 292">
+            <a:extLst>
+              <a:ext uri="{FF2B5EF4-FFF2-40B4-BE49-F238E27FC236}">
+                <a16:creationId xmlns:a16="http://schemas.microsoft.com/office/drawing/2014/main" id="{DE4A9C85-BE06-A74A-1686-15357DCAC7B3}"/>
+              </a:ext>
+            </a:extLst>
+          </p:cNvPr>
+          <p:cNvSpPr/>
+          <p:nvPr/>
+        </p:nvSpPr>
+        <p:spPr>
+          <a:xfrm flipH="1">
+            <a:off x="4391563" y="2137568"/>
+            <a:ext cx="392298" cy="469685"/>
+          </a:xfrm>
+          <a:prstGeom prst="rect">
+            <a:avLst/>
+          </a:prstGeom>
+          <a:solidFill>
+            <a:srgbClr val="92D050">
+              <a:alpha val="66000"/>
+            </a:srgbClr>
+          </a:solidFill>
+        </p:spPr>
+        <p:style>
+          <a:lnRef idx="2">
+            <a:schemeClr val="accent1">
+              <a:shade val="50000"/>
+            </a:schemeClr>
+          </a:lnRef>
+          <a:fillRef idx="1">
+            <a:schemeClr val="accent1"/>
+          </a:fillRef>
+          <a:effectRef idx="0">
+            <a:schemeClr val="accent1"/>
+          </a:effectRef>
+          <a:fontRef idx="minor">
+            <a:schemeClr val="lt1"/>
+          </a:fontRef>
+        </p:style>
+        <p:txBody>
+          <a:bodyPr rtlCol="0" anchor="ctr"/>
+          <a:lstStyle/>
+          <a:p>
+            <a:pPr algn="ctr"/>
+            <a:endParaRPr lang="de-DE"/>
+          </a:p>
+        </p:txBody>
+      </p:sp>
+      <p:sp>
+        <p:nvSpPr>
+          <p:cNvPr id="294" name="Rechteck 293">
+            <a:extLst>
+              <a:ext uri="{FF2B5EF4-FFF2-40B4-BE49-F238E27FC236}">
+                <a16:creationId xmlns:a16="http://schemas.microsoft.com/office/drawing/2014/main" id="{E1784308-2486-327F-7ABF-0CBD17666333}"/>
+              </a:ext>
+            </a:extLst>
+          </p:cNvPr>
+          <p:cNvSpPr/>
+          <p:nvPr/>
+        </p:nvSpPr>
+        <p:spPr>
+          <a:xfrm flipH="1">
+            <a:off x="4829538" y="1675636"/>
+            <a:ext cx="372547" cy="413959"/>
+          </a:xfrm>
+          <a:prstGeom prst="rect">
+            <a:avLst/>
+          </a:prstGeom>
+          <a:solidFill>
+            <a:srgbClr val="92D050">
+              <a:alpha val="66000"/>
+            </a:srgbClr>
+          </a:solidFill>
+        </p:spPr>
+        <p:style>
+          <a:lnRef idx="2">
+            <a:schemeClr val="accent1">
+              <a:shade val="50000"/>
+            </a:schemeClr>
+          </a:lnRef>
+          <a:fillRef idx="1">
+            <a:schemeClr val="accent1"/>
+          </a:fillRef>
+          <a:effectRef idx="0">
+            <a:schemeClr val="accent1"/>
+          </a:effectRef>
+          <a:fontRef idx="minor">
+            <a:schemeClr val="lt1"/>
+          </a:fontRef>
+        </p:style>
+        <p:txBody>
+          <a:bodyPr rtlCol="0" anchor="ctr"/>
+          <a:lstStyle/>
+          <a:p>
+            <a:pPr algn="ctr"/>
+            <a:endParaRPr lang="de-DE"/>
+          </a:p>
+        </p:txBody>
+      </p:sp>
+      <p:sp>
+        <p:nvSpPr>
           <p:cNvPr id="258" name="Rechteck 257">
             <a:extLst>
               <a:ext uri="{FF2B5EF4-FFF2-40B4-BE49-F238E27FC236}">
@@ -14639,23 +15047,23 @@
         </p:nvSpPr>
         <p:spPr>
           <a:xfrm>
-            <a:off x="4820316" y="3487879"/>
-            <a:ext cx="418704" cy="369332"/>
-          </a:xfrm>
-          <a:prstGeom prst="rect">
-            <a:avLst/>
-          </a:prstGeom>
-          <a:noFill/>
-        </p:spPr>
-        <p:txBody>
-          <a:bodyPr wrap="none" rtlCol="0">
-            <a:spAutoFit/>
-          </a:bodyPr>
-          <a:lstStyle/>
-          <a:p>
-            <a:r>
-              <a:rPr lang="de-DE" dirty="0"/>
-              <a:t>50</a:t>
+            <a:off x="4779363" y="3478839"/>
+            <a:ext cx="534121" cy="369332"/>
+          </a:xfrm>
+          <a:prstGeom prst="rect">
+            <a:avLst/>
+          </a:prstGeom>
+          <a:noFill/>
+        </p:spPr>
+        <p:txBody>
+          <a:bodyPr wrap="none" rtlCol="0">
+            <a:spAutoFit/>
+          </a:bodyPr>
+          <a:lstStyle/>
+          <a:p>
+            <a:r>
+              <a:rPr lang="de-DE" dirty="0"/>
+              <a:t>+15</a:t>
             </a:r>
           </a:p>
         </p:txBody>
@@ -14849,23 +15257,23 @@
         </p:nvSpPr>
         <p:spPr>
           <a:xfrm>
-            <a:off x="5703275" y="3477036"/>
-            <a:ext cx="418704" cy="369332"/>
-          </a:xfrm>
-          <a:prstGeom prst="rect">
-            <a:avLst/>
-          </a:prstGeom>
-          <a:noFill/>
-        </p:spPr>
-        <p:txBody>
-          <a:bodyPr wrap="none" rtlCol="0">
-            <a:spAutoFit/>
-          </a:bodyPr>
-          <a:lstStyle/>
-          <a:p>
-            <a:r>
-              <a:rPr lang="de-DE" dirty="0"/>
-              <a:t>52</a:t>
+            <a:off x="5661824" y="3477035"/>
+            <a:ext cx="534121" cy="369332"/>
+          </a:xfrm>
+          <a:prstGeom prst="rect">
+            <a:avLst/>
+          </a:prstGeom>
+          <a:noFill/>
+        </p:spPr>
+        <p:txBody>
+          <a:bodyPr wrap="none" rtlCol="0">
+            <a:spAutoFit/>
+          </a:bodyPr>
+          <a:lstStyle/>
+          <a:p>
+            <a:r>
+              <a:rPr lang="de-DE" dirty="0"/>
+              <a:t>+17</a:t>
             </a:r>
           </a:p>
         </p:txBody>
@@ -15270,22 +15678,22 @@
         <p:spPr>
           <a:xfrm>
             <a:off x="4367978" y="3056648"/>
-            <a:ext cx="418704" cy="369332"/>
-          </a:xfrm>
-          <a:prstGeom prst="rect">
-            <a:avLst/>
-          </a:prstGeom>
-          <a:noFill/>
-        </p:spPr>
-        <p:txBody>
-          <a:bodyPr wrap="none" rtlCol="0">
-            <a:spAutoFit/>
-          </a:bodyPr>
-          <a:lstStyle/>
-          <a:p>
-            <a:r>
-              <a:rPr lang="de-DE" dirty="0"/>
-              <a:t>41</a:t>
+            <a:ext cx="417102" cy="369332"/>
+          </a:xfrm>
+          <a:prstGeom prst="rect">
+            <a:avLst/>
+          </a:prstGeom>
+          <a:noFill/>
+        </p:spPr>
+        <p:txBody>
+          <a:bodyPr wrap="none" rtlCol="0">
+            <a:spAutoFit/>
+          </a:bodyPr>
+          <a:lstStyle/>
+          <a:p>
+            <a:r>
+              <a:rPr lang="de-DE" dirty="0"/>
+              <a:t>+6</a:t>
             </a:r>
           </a:p>
         </p:txBody>
@@ -15549,23 +15957,23 @@
         </p:nvSpPr>
         <p:spPr>
           <a:xfrm>
-            <a:off x="6174755" y="3073443"/>
-            <a:ext cx="418704" cy="369332"/>
-          </a:xfrm>
-          <a:prstGeom prst="rect">
-            <a:avLst/>
-          </a:prstGeom>
-          <a:noFill/>
-        </p:spPr>
-        <p:txBody>
-          <a:bodyPr wrap="none" rtlCol="0">
-            <a:spAutoFit/>
-          </a:bodyPr>
-          <a:lstStyle/>
-          <a:p>
-            <a:r>
-              <a:rPr lang="de-DE" dirty="0"/>
-              <a:t>45</a:t>
+            <a:off x="6067975" y="3040603"/>
+            <a:ext cx="534121" cy="369332"/>
+          </a:xfrm>
+          <a:prstGeom prst="rect">
+            <a:avLst/>
+          </a:prstGeom>
+          <a:noFill/>
+        </p:spPr>
+        <p:txBody>
+          <a:bodyPr wrap="none" rtlCol="0">
+            <a:spAutoFit/>
+          </a:bodyPr>
+          <a:lstStyle/>
+          <a:p>
+            <a:r>
+              <a:rPr lang="de-DE" dirty="0"/>
+              <a:t>+10</a:t>
             </a:r>
           </a:p>
         </p:txBody>
@@ -15760,22 +16168,22 @@
         <p:spPr>
           <a:xfrm>
             <a:off x="4821987" y="1739316"/>
-            <a:ext cx="418704" cy="369332"/>
-          </a:xfrm>
-          <a:prstGeom prst="rect">
-            <a:avLst/>
-          </a:prstGeom>
-          <a:noFill/>
-        </p:spPr>
-        <p:txBody>
-          <a:bodyPr wrap="none" rtlCol="0">
-            <a:spAutoFit/>
-          </a:bodyPr>
-          <a:lstStyle/>
-          <a:p>
-            <a:r>
-              <a:rPr lang="de-DE" dirty="0"/>
-              <a:t>18</a:t>
+            <a:ext cx="489236" cy="369332"/>
+          </a:xfrm>
+          <a:prstGeom prst="rect">
+            <a:avLst/>
+          </a:prstGeom>
+          <a:noFill/>
+        </p:spPr>
+        <p:txBody>
+          <a:bodyPr wrap="none" rtlCol="0">
+            <a:spAutoFit/>
+          </a:bodyPr>
+          <a:lstStyle/>
+          <a:p>
+            <a:r>
+              <a:rPr lang="de-DE" dirty="0"/>
+              <a:t>-17</a:t>
             </a:r>
           </a:p>
         </p:txBody>
@@ -15830,22 +16238,22 @@
         <p:spPr>
           <a:xfrm>
             <a:off x="4375679" y="2197420"/>
-            <a:ext cx="418704" cy="369332"/>
-          </a:xfrm>
-          <a:prstGeom prst="rect">
-            <a:avLst/>
-          </a:prstGeom>
-          <a:noFill/>
-        </p:spPr>
-        <p:txBody>
-          <a:bodyPr wrap="none" rtlCol="0">
-            <a:spAutoFit/>
-          </a:bodyPr>
-          <a:lstStyle/>
-          <a:p>
-            <a:r>
-              <a:rPr lang="de-DE" dirty="0"/>
-              <a:t>25</a:t>
+            <a:ext cx="489236" cy="369332"/>
+          </a:xfrm>
+          <a:prstGeom prst="rect">
+            <a:avLst/>
+          </a:prstGeom>
+          <a:noFill/>
+        </p:spPr>
+        <p:txBody>
+          <a:bodyPr wrap="none" rtlCol="0">
+            <a:spAutoFit/>
+          </a:bodyPr>
+          <a:lstStyle/>
+          <a:p>
+            <a:r>
+              <a:rPr lang="de-DE" dirty="0"/>
+              <a:t>-10</a:t>
             </a:r>
           </a:p>
         </p:txBody>
@@ -15970,22 +16378,22 @@
         <p:spPr>
           <a:xfrm>
             <a:off x="5704946" y="1728473"/>
-            <a:ext cx="418704" cy="369332"/>
-          </a:xfrm>
-          <a:prstGeom prst="rect">
-            <a:avLst/>
-          </a:prstGeom>
-          <a:noFill/>
-        </p:spPr>
-        <p:txBody>
-          <a:bodyPr wrap="none" rtlCol="0">
-            <a:spAutoFit/>
-          </a:bodyPr>
-          <a:lstStyle/>
-          <a:p>
-            <a:r>
-              <a:rPr lang="de-DE" dirty="0"/>
-              <a:t>20</a:t>
+            <a:ext cx="489236" cy="369332"/>
+          </a:xfrm>
+          <a:prstGeom prst="rect">
+            <a:avLst/>
+          </a:prstGeom>
+          <a:noFill/>
+        </p:spPr>
+        <p:txBody>
+          <a:bodyPr wrap="none" rtlCol="0">
+            <a:spAutoFit/>
+          </a:bodyPr>
+          <a:lstStyle/>
+          <a:p>
+            <a:r>
+              <a:rPr lang="de-DE" dirty="0"/>
+              <a:t>-15</a:t>
             </a:r>
           </a:p>
         </p:txBody>
@@ -16110,22 +16518,22 @@
         <p:spPr>
           <a:xfrm>
             <a:off x="6182456" y="2214215"/>
-            <a:ext cx="418704" cy="369332"/>
-          </a:xfrm>
-          <a:prstGeom prst="rect">
-            <a:avLst/>
-          </a:prstGeom>
-          <a:noFill/>
-        </p:spPr>
-        <p:txBody>
-          <a:bodyPr wrap="none" rtlCol="0">
-            <a:spAutoFit/>
-          </a:bodyPr>
-          <a:lstStyle/>
-          <a:p>
-            <a:r>
-              <a:rPr lang="de-DE" dirty="0"/>
-              <a:t>29</a:t>
+            <a:ext cx="372218" cy="369332"/>
+          </a:xfrm>
+          <a:prstGeom prst="rect">
+            <a:avLst/>
+          </a:prstGeom>
+          <a:noFill/>
+        </p:spPr>
+        <p:txBody>
+          <a:bodyPr wrap="none" rtlCol="0">
+            <a:spAutoFit/>
+          </a:bodyPr>
+          <a:lstStyle/>
+          <a:p>
+            <a:r>
+              <a:rPr lang="de-DE" dirty="0"/>
+              <a:t>-6</a:t>
             </a:r>
           </a:p>
         </p:txBody>
@@ -19441,6 +19849,58 @@
               <a:rPr lang="de-DE" dirty="0"/>
               <a:t>5</a:t>
             </a:r>
+          </a:p>
+        </p:txBody>
+      </p:sp>
+      <p:sp>
+        <p:nvSpPr>
+          <p:cNvPr id="2" name="Ellipse 1">
+            <a:extLst>
+              <a:ext uri="{FF2B5EF4-FFF2-40B4-BE49-F238E27FC236}">
+                <a16:creationId xmlns:a16="http://schemas.microsoft.com/office/drawing/2014/main" id="{329A4191-10E5-3732-CFD7-49B31B4FA378}"/>
+              </a:ext>
+            </a:extLst>
+          </p:cNvPr>
+          <p:cNvSpPr/>
+          <p:nvPr/>
+        </p:nvSpPr>
+        <p:spPr>
+          <a:xfrm>
+            <a:off x="5341401" y="2659434"/>
+            <a:ext cx="276331" cy="279742"/>
+          </a:xfrm>
+          <a:prstGeom prst="ellipse">
+            <a:avLst/>
+          </a:prstGeom>
+          <a:noFill/>
+          <a:ln>
+            <a:solidFill>
+              <a:srgbClr val="FF0000"/>
+            </a:solidFill>
+          </a:ln>
+        </p:spPr>
+        <p:style>
+          <a:lnRef idx="2">
+            <a:schemeClr val="accent1">
+              <a:shade val="50000"/>
+            </a:schemeClr>
+          </a:lnRef>
+          <a:fillRef idx="1">
+            <a:schemeClr val="accent1"/>
+          </a:fillRef>
+          <a:effectRef idx="0">
+            <a:schemeClr val="accent1"/>
+          </a:effectRef>
+          <a:fontRef idx="minor">
+            <a:schemeClr val="lt1"/>
+          </a:fontRef>
+        </p:style>
+        <p:txBody>
+          <a:bodyPr rtlCol="0" anchor="ctr"/>
+          <a:lstStyle/>
+          <a:p>
+            <a:pPr algn="ctr"/>
+            <a:endParaRPr lang="de-DE"/>
           </a:p>
         </p:txBody>
       </p:sp>
